--- a/SS-Presentation.pptx
+++ b/SS-Presentation.pptx
@@ -13647,9 +13647,48 @@
               <a:rPr lang="en-US" dirty="0" smtClean="0">
                 <a:sym typeface="Wingdings"/>
               </a:rPr>
-              <a:t>Thank you!!</a:t>
-            </a:r>
-            <a:endParaRPr lang="en-US" dirty="0"/>
+              <a:t>The </a:t>
+            </a:r>
+            <a:r>
+              <a:rPr lang="en-US" dirty="0">
+                <a:sym typeface="Wingdings"/>
+              </a:rPr>
+              <a:t>slides can be found at </a:t>
+            </a:r>
+            <a:r>
+              <a:rPr lang="en-US" dirty="0">
+                <a:sym typeface="Wingdings"/>
+                <a:hlinkClick r:id="rId3"/>
+              </a:rPr>
+              <a:t>https://</a:t>
+            </a:r>
+            <a:r>
+              <a:rPr lang="en-US" dirty="0" smtClean="0">
+                <a:sym typeface="Wingdings"/>
+                <a:hlinkClick r:id="rId3"/>
+              </a:rPr>
+              <a:t>github.com/TDA/Scapy-First-Steps</a:t>
+            </a:r>
+            <a:endParaRPr lang="en-US" dirty="0" smtClean="0">
+              <a:sym typeface="Wingdings"/>
+            </a:endParaRPr>
+          </a:p>
+          <a:p>
+            <a:r>
+              <a:rPr lang="en-US" dirty="0">
+                <a:sym typeface="Wingdings"/>
+              </a:rPr>
+              <a:t>Thank you</a:t>
+            </a:r>
+            <a:r>
+              <a:rPr lang="en-US" dirty="0" smtClean="0">
+                <a:sym typeface="Wingdings"/>
+              </a:rPr>
+              <a:t>!!</a:t>
+            </a:r>
+            <a:endParaRPr lang="en-US" dirty="0">
+              <a:sym typeface="Wingdings"/>
+            </a:endParaRPr>
           </a:p>
         </p:txBody>
       </p:sp>
@@ -14459,7 +14498,7 @@
             </a:pPr>
             <a:r>
               <a:rPr lang="en-US" dirty="0" smtClean="0"/>
-              <a:t>For version 2, </a:t>
+              <a:t>For version 2, (installed on the submission system)</a:t>
             </a:r>
           </a:p>
           <a:p>
